--- a/slides/Day1_Intro_Lecture.pptx
+++ b/slides/Day1_Intro_Lecture.pptx
@@ -167,7 +167,7 @@
   </p:defaultTextStyle>
   <p:extLst>
     <p:ext uri="{EFAFB233-063F-42B5-8137-9DF3F51BA10A}">
-      <p15:sldGuideLst xmlns:p15="http://schemas.microsoft.com/office/powerpoint/2012/main" xmlns="">
+      <p15:sldGuideLst xmlns="" xmlns:p15="http://schemas.microsoft.com/office/powerpoint/2012/main">
         <p15:guide id="1" orient="horz" pos="2160">
           <p15:clr>
             <a:srgbClr val="A4A3A4"/>
@@ -181,7 +181,7 @@
       </p15:sldGuideLst>
     </p:ext>
     <p:ext uri="{2D200454-40CA-4A62-9FC3-DE9A4176ACB9}">
-      <p15:notesGuideLst xmlns:p15="http://schemas.microsoft.com/office/powerpoint/2012/main" xmlns="">
+      <p15:notesGuideLst xmlns="" xmlns:p15="http://schemas.microsoft.com/office/powerpoint/2012/main">
         <p15:guide id="1" orient="horz" pos="2880">
           <p15:clr>
             <a:srgbClr val="A4A3A4"/>
@@ -3982,29 +3982,29 @@
     </dgm:pt>
   </dgm:ptLst>
   <dgm:cxnLst>
+    <dgm:cxn modelId="{9F37F655-526A-DF49-8CCC-4C302F6B280E}" type="presOf" srcId="{0AA0B668-5CD7-504A-85B7-D95B58F3E205}" destId="{49FBAE1C-4CF9-B24A-8AB1-1B9857FF740C}" srcOrd="0" destOrd="2" presId="urn:microsoft.com/office/officeart/2005/8/layout/hList1"/>
+    <dgm:cxn modelId="{E8A73E44-11B4-C845-BA3A-80D7FDD89668}" srcId="{72FAA48C-DF16-1A4C-AC95-1A87ADF2162D}" destId="{88AB9A45-3957-1447-AF2D-8B75339F7444}" srcOrd="0" destOrd="0" parTransId="{AC12880E-8976-F042-99BB-1381459CE654}" sibTransId="{CE220E84-76B5-3F42-97B6-1272D27587ED}"/>
+    <dgm:cxn modelId="{863BFBB5-DE03-3A41-AE03-F1CD0A2B3891}" srcId="{D1FA7939-BC34-ED40-83E3-C3525B8E7AB1}" destId="{EE6E7417-F711-3F4F-80AE-98637FCF72FE}" srcOrd="1" destOrd="0" parTransId="{6358C3C4-911D-314B-8325-6547089A384F}" sibTransId="{6BB13C0D-0508-984B-8E46-CA2455F4525E}"/>
+    <dgm:cxn modelId="{F45A609A-CBB4-3C4C-92BE-D20F8AC39D56}" type="presOf" srcId="{C64A0A47-8490-1B48-A519-4A7AF39888B9}" destId="{49FBAE1C-4CF9-B24A-8AB1-1B9857FF740C}" srcOrd="0" destOrd="1" presId="urn:microsoft.com/office/officeart/2005/8/layout/hList1"/>
+    <dgm:cxn modelId="{FB483417-795D-D247-8568-7017C364EC0B}" type="presOf" srcId="{D1FA7939-BC34-ED40-83E3-C3525B8E7AB1}" destId="{BD97FF5A-7FF3-FB47-BE9B-9D0A46A3D1A7}" srcOrd="0" destOrd="0" presId="urn:microsoft.com/office/officeart/2005/8/layout/hList1"/>
+    <dgm:cxn modelId="{18C71583-9D52-D941-A50C-9FD76A106848}" type="presOf" srcId="{88AB9A45-3957-1447-AF2D-8B75339F7444}" destId="{CFB3DFEB-E63C-1F43-A155-6C9C12FC7E76}" srcOrd="0" destOrd="0" presId="urn:microsoft.com/office/officeart/2005/8/layout/hList1"/>
+    <dgm:cxn modelId="{86435043-8A31-574D-AEFB-85C76FCFE56B}" srcId="{15EAAE24-75F1-1540-A850-CC9914049AEE}" destId="{0AA0B668-5CD7-504A-85B7-D95B58F3E205}" srcOrd="2" destOrd="0" parTransId="{06C6F008-B566-AB45-8661-765EB23100D3}" sibTransId="{4B3A608B-D504-6F4A-83A5-9499E2FB9AA2}"/>
+    <dgm:cxn modelId="{8A78E15D-4D5C-E049-A788-96A8A0E5C8E6}" type="presOf" srcId="{7C463702-7582-EF48-BEC8-8C01F09CA38E}" destId="{A058E480-CC77-F84F-80AC-80987CAB996F}" srcOrd="0" destOrd="1" presId="urn:microsoft.com/office/officeart/2005/8/layout/hList1"/>
+    <dgm:cxn modelId="{98E97E1C-1C36-C94E-88A7-4BE70FF0E612}" type="presOf" srcId="{14495F2D-16CD-184F-8606-DD88F82D3A55}" destId="{49FBAE1C-4CF9-B24A-8AB1-1B9857FF740C}" srcOrd="0" destOrd="0" presId="urn:microsoft.com/office/officeart/2005/8/layout/hList1"/>
     <dgm:cxn modelId="{C3A78FF3-12A7-FC4F-A67D-F274A4DC445D}" type="presOf" srcId="{09BDE89F-FBA4-B941-8573-DFCE6816849F}" destId="{A058E480-CC77-F84F-80AC-80987CAB996F}" srcOrd="0" destOrd="2" presId="urn:microsoft.com/office/officeart/2005/8/layout/hList1"/>
+    <dgm:cxn modelId="{C089397C-C95D-034A-8D8B-F1E4094D50C2}" type="presOf" srcId="{72FAA48C-DF16-1A4C-AC95-1A87ADF2162D}" destId="{79750650-E1F1-874E-A98F-5A6668364003}" srcOrd="0" destOrd="0" presId="urn:microsoft.com/office/officeart/2005/8/layout/hList1"/>
+    <dgm:cxn modelId="{9260AC16-383A-7D42-A8CF-C72B9FD2673E}" type="presOf" srcId="{CFE5FEEE-22F4-9F40-8A01-FF58C74419EC}" destId="{0C157D19-2D24-0F49-86C7-48BC34063791}" srcOrd="0" destOrd="0" presId="urn:microsoft.com/office/officeart/2005/8/layout/hList1"/>
+    <dgm:cxn modelId="{298FD13B-EDD6-2649-9075-AF1F5A3D1A33}" type="presOf" srcId="{EE6E7417-F711-3F4F-80AE-98637FCF72FE}" destId="{0C157D19-2D24-0F49-86C7-48BC34063791}" srcOrd="0" destOrd="1" presId="urn:microsoft.com/office/officeart/2005/8/layout/hList1"/>
+    <dgm:cxn modelId="{2B0A6E16-0B35-CC46-9F51-D93944173080}" srcId="{15EAAE24-75F1-1540-A850-CC9914049AEE}" destId="{14495F2D-16CD-184F-8606-DD88F82D3A55}" srcOrd="0" destOrd="0" parTransId="{D679092E-8F46-9449-B79B-38A022432F46}" sibTransId="{C114D126-CEAA-B943-B2EC-D4B76D35FA23}"/>
+    <dgm:cxn modelId="{8D8ABABF-0642-8740-A17C-F2D946CF4FCB}" srcId="{72FAA48C-DF16-1A4C-AC95-1A87ADF2162D}" destId="{15EAAE24-75F1-1540-A850-CC9914049AEE}" srcOrd="2" destOrd="0" parTransId="{9518DD21-9133-EE4D-AB1C-8D5BA4EE6A0E}" sibTransId="{591A7D12-0057-4546-90BF-6B868501BEFD}"/>
+    <dgm:cxn modelId="{F18B9057-7E0D-7E4A-A5AF-E492884462B4}" srcId="{88AB9A45-3957-1447-AF2D-8B75339F7444}" destId="{7C463702-7582-EF48-BEC8-8C01F09CA38E}" srcOrd="1" destOrd="0" parTransId="{4F9776E2-4848-0945-BE5D-03E3C735AB2A}" sibTransId="{1651EF24-CC53-1C49-92F9-54173DEB8D76}"/>
+    <dgm:cxn modelId="{D751F76B-CE13-EC4B-B270-CB2C56BD7F54}" type="presOf" srcId="{15EAAE24-75F1-1540-A850-CC9914049AEE}" destId="{C7D69700-6D06-754D-9122-34DAB0F901E3}" srcOrd="0" destOrd="0" presId="urn:microsoft.com/office/officeart/2005/8/layout/hList1"/>
+    <dgm:cxn modelId="{3B9FD69F-C94B-B345-B5C2-E648DD3A0AC1}" srcId="{88AB9A45-3957-1447-AF2D-8B75339F7444}" destId="{11DE8295-7486-704C-805C-8DC06311080B}" srcOrd="0" destOrd="0" parTransId="{5693F316-785C-084C-B8CB-FD0AAC504C16}" sibTransId="{AD7BCA38-2FAE-554C-81D6-CA2B945DFFBA}"/>
     <dgm:cxn modelId="{7237D2BF-3DA2-504A-BE9D-5051E5BE5CC4}" srcId="{15EAAE24-75F1-1540-A850-CC9914049AEE}" destId="{C64A0A47-8490-1B48-A519-4A7AF39888B9}" srcOrd="1" destOrd="0" parTransId="{2EC1B746-B34A-0845-B705-509B1996F1FE}" sibTransId="{F7A5E056-D018-8C41-A701-9450B1AA665E}"/>
-    <dgm:cxn modelId="{F45A609A-CBB4-3C4C-92BE-D20F8AC39D56}" type="presOf" srcId="{C64A0A47-8490-1B48-A519-4A7AF39888B9}" destId="{49FBAE1C-4CF9-B24A-8AB1-1B9857FF740C}" srcOrd="0" destOrd="1" presId="urn:microsoft.com/office/officeart/2005/8/layout/hList1"/>
-    <dgm:cxn modelId="{8A78E15D-4D5C-E049-A788-96A8A0E5C8E6}" type="presOf" srcId="{7C463702-7582-EF48-BEC8-8C01F09CA38E}" destId="{A058E480-CC77-F84F-80AC-80987CAB996F}" srcOrd="0" destOrd="1" presId="urn:microsoft.com/office/officeart/2005/8/layout/hList1"/>
-    <dgm:cxn modelId="{298FD13B-EDD6-2649-9075-AF1F5A3D1A33}" type="presOf" srcId="{EE6E7417-F711-3F4F-80AE-98637FCF72FE}" destId="{0C157D19-2D24-0F49-86C7-48BC34063791}" srcOrd="0" destOrd="1" presId="urn:microsoft.com/office/officeart/2005/8/layout/hList1"/>
-    <dgm:cxn modelId="{F18B9057-7E0D-7E4A-A5AF-E492884462B4}" srcId="{88AB9A45-3957-1447-AF2D-8B75339F7444}" destId="{7C463702-7582-EF48-BEC8-8C01F09CA38E}" srcOrd="1" destOrd="0" parTransId="{4F9776E2-4848-0945-BE5D-03E3C735AB2A}" sibTransId="{1651EF24-CC53-1C49-92F9-54173DEB8D76}"/>
-    <dgm:cxn modelId="{C089397C-C95D-034A-8D8B-F1E4094D50C2}" type="presOf" srcId="{72FAA48C-DF16-1A4C-AC95-1A87ADF2162D}" destId="{79750650-E1F1-874E-A98F-5A6668364003}" srcOrd="0" destOrd="0" presId="urn:microsoft.com/office/officeart/2005/8/layout/hList1"/>
-    <dgm:cxn modelId="{FB483417-795D-D247-8568-7017C364EC0B}" type="presOf" srcId="{D1FA7939-BC34-ED40-83E3-C3525B8E7AB1}" destId="{BD97FF5A-7FF3-FB47-BE9B-9D0A46A3D1A7}" srcOrd="0" destOrd="0" presId="urn:microsoft.com/office/officeart/2005/8/layout/hList1"/>
-    <dgm:cxn modelId="{9F37F655-526A-DF49-8CCC-4C302F6B280E}" type="presOf" srcId="{0AA0B668-5CD7-504A-85B7-D95B58F3E205}" destId="{49FBAE1C-4CF9-B24A-8AB1-1B9857FF740C}" srcOrd="0" destOrd="2" presId="urn:microsoft.com/office/officeart/2005/8/layout/hList1"/>
-    <dgm:cxn modelId="{66A33056-8B14-5247-870D-EFE91381C612}" srcId="{72FAA48C-DF16-1A4C-AC95-1A87ADF2162D}" destId="{D1FA7939-BC34-ED40-83E3-C3525B8E7AB1}" srcOrd="1" destOrd="0" parTransId="{357993F2-7B30-664B-BED6-2F697E1A35A4}" sibTransId="{F49AE671-B867-0349-9A6E-2E7A50EBA0BA}"/>
-    <dgm:cxn modelId="{98E97E1C-1C36-C94E-88A7-4BE70FF0E612}" type="presOf" srcId="{14495F2D-16CD-184F-8606-DD88F82D3A55}" destId="{49FBAE1C-4CF9-B24A-8AB1-1B9857FF740C}" srcOrd="0" destOrd="0" presId="urn:microsoft.com/office/officeart/2005/8/layout/hList1"/>
-    <dgm:cxn modelId="{9260AC16-383A-7D42-A8CF-C72B9FD2673E}" type="presOf" srcId="{CFE5FEEE-22F4-9F40-8A01-FF58C74419EC}" destId="{0C157D19-2D24-0F49-86C7-48BC34063791}" srcOrd="0" destOrd="0" presId="urn:microsoft.com/office/officeart/2005/8/layout/hList1"/>
-    <dgm:cxn modelId="{86435043-8A31-574D-AEFB-85C76FCFE56B}" srcId="{15EAAE24-75F1-1540-A850-CC9914049AEE}" destId="{0AA0B668-5CD7-504A-85B7-D95B58F3E205}" srcOrd="2" destOrd="0" parTransId="{06C6F008-B566-AB45-8661-765EB23100D3}" sibTransId="{4B3A608B-D504-6F4A-83A5-9499E2FB9AA2}"/>
-    <dgm:cxn modelId="{863BFBB5-DE03-3A41-AE03-F1CD0A2B3891}" srcId="{D1FA7939-BC34-ED40-83E3-C3525B8E7AB1}" destId="{EE6E7417-F711-3F4F-80AE-98637FCF72FE}" srcOrd="1" destOrd="0" parTransId="{6358C3C4-911D-314B-8325-6547089A384F}" sibTransId="{6BB13C0D-0508-984B-8E46-CA2455F4525E}"/>
-    <dgm:cxn modelId="{3B9FD69F-C94B-B345-B5C2-E648DD3A0AC1}" srcId="{88AB9A45-3957-1447-AF2D-8B75339F7444}" destId="{11DE8295-7486-704C-805C-8DC06311080B}" srcOrd="0" destOrd="0" parTransId="{5693F316-785C-084C-B8CB-FD0AAC504C16}" sibTransId="{AD7BCA38-2FAE-554C-81D6-CA2B945DFFBA}"/>
-    <dgm:cxn modelId="{8D8ABABF-0642-8740-A17C-F2D946CF4FCB}" srcId="{72FAA48C-DF16-1A4C-AC95-1A87ADF2162D}" destId="{15EAAE24-75F1-1540-A850-CC9914049AEE}" srcOrd="2" destOrd="0" parTransId="{9518DD21-9133-EE4D-AB1C-8D5BA4EE6A0E}" sibTransId="{591A7D12-0057-4546-90BF-6B868501BEFD}"/>
-    <dgm:cxn modelId="{E8A73E44-11B4-C845-BA3A-80D7FDD89668}" srcId="{72FAA48C-DF16-1A4C-AC95-1A87ADF2162D}" destId="{88AB9A45-3957-1447-AF2D-8B75339F7444}" srcOrd="0" destOrd="0" parTransId="{AC12880E-8976-F042-99BB-1381459CE654}" sibTransId="{CE220E84-76B5-3F42-97B6-1272D27587ED}"/>
-    <dgm:cxn modelId="{D751F76B-CE13-EC4B-B270-CB2C56BD7F54}" type="presOf" srcId="{15EAAE24-75F1-1540-A850-CC9914049AEE}" destId="{C7D69700-6D06-754D-9122-34DAB0F901E3}" srcOrd="0" destOrd="0" presId="urn:microsoft.com/office/officeart/2005/8/layout/hList1"/>
-    <dgm:cxn modelId="{18C71583-9D52-D941-A50C-9FD76A106848}" type="presOf" srcId="{88AB9A45-3957-1447-AF2D-8B75339F7444}" destId="{CFB3DFEB-E63C-1F43-A155-6C9C12FC7E76}" srcOrd="0" destOrd="0" presId="urn:microsoft.com/office/officeart/2005/8/layout/hList1"/>
-    <dgm:cxn modelId="{2B0A6E16-0B35-CC46-9F51-D93944173080}" srcId="{15EAAE24-75F1-1540-A850-CC9914049AEE}" destId="{14495F2D-16CD-184F-8606-DD88F82D3A55}" srcOrd="0" destOrd="0" parTransId="{D679092E-8F46-9449-B79B-38A022432F46}" sibTransId="{C114D126-CEAA-B943-B2EC-D4B76D35FA23}"/>
+    <dgm:cxn modelId="{4E34F69F-BD29-EA4D-82AD-FDE166831314}" srcId="{88AB9A45-3957-1447-AF2D-8B75339F7444}" destId="{09BDE89F-FBA4-B941-8573-DFCE6816849F}" srcOrd="2" destOrd="0" parTransId="{2850DC7D-2919-0346-A0E0-0154DA31EFC1}" sibTransId="{AE81DA88-7639-FF4F-BA16-752D1CCC5D60}"/>
     <dgm:cxn modelId="{F495379E-1812-0341-A067-4A019E75F840}" type="presOf" srcId="{11DE8295-7486-704C-805C-8DC06311080B}" destId="{A058E480-CC77-F84F-80AC-80987CAB996F}" srcOrd="0" destOrd="0" presId="urn:microsoft.com/office/officeart/2005/8/layout/hList1"/>
     <dgm:cxn modelId="{03EB8443-8F69-FA4D-B681-E6A003930419}" srcId="{D1FA7939-BC34-ED40-83E3-C3525B8E7AB1}" destId="{CFE5FEEE-22F4-9F40-8A01-FF58C74419EC}" srcOrd="0" destOrd="0" parTransId="{72C8F5C6-D588-554C-96EE-005165AE9DA7}" sibTransId="{D17F1E6F-78E5-8C49-8E3A-DFED431309B6}"/>
-    <dgm:cxn modelId="{4E34F69F-BD29-EA4D-82AD-FDE166831314}" srcId="{88AB9A45-3957-1447-AF2D-8B75339F7444}" destId="{09BDE89F-FBA4-B941-8573-DFCE6816849F}" srcOrd="2" destOrd="0" parTransId="{2850DC7D-2919-0346-A0E0-0154DA31EFC1}" sibTransId="{AE81DA88-7639-FF4F-BA16-752D1CCC5D60}"/>
+    <dgm:cxn modelId="{66A33056-8B14-5247-870D-EFE91381C612}" srcId="{72FAA48C-DF16-1A4C-AC95-1A87ADF2162D}" destId="{D1FA7939-BC34-ED40-83E3-C3525B8E7AB1}" srcOrd="1" destOrd="0" parTransId="{357993F2-7B30-664B-BED6-2F697E1A35A4}" sibTransId="{F49AE671-B867-0349-9A6E-2E7A50EBA0BA}"/>
     <dgm:cxn modelId="{5CF68B6C-0FBF-C34D-B68D-53FBC9499C68}" type="presParOf" srcId="{79750650-E1F1-874E-A98F-5A6668364003}" destId="{C1B3901E-1089-0046-BF79-85D5D14724A2}" srcOrd="0" destOrd="0" presId="urn:microsoft.com/office/officeart/2005/8/layout/hList1"/>
     <dgm:cxn modelId="{C6465C57-5AD0-4644-A40A-6573FFDD971A}" type="presParOf" srcId="{C1B3901E-1089-0046-BF79-85D5D14724A2}" destId="{CFB3DFEB-E63C-1F43-A155-6C9C12FC7E76}" srcOrd="0" destOrd="0" presId="urn:microsoft.com/office/officeart/2005/8/layout/hList1"/>
     <dgm:cxn modelId="{3B46599D-3556-404E-9A7A-8D44DC8D4251}" type="presParOf" srcId="{C1B3901E-1089-0046-BF79-85D5D14724A2}" destId="{A058E480-CC77-F84F-80AC-80987CAB996F}" srcOrd="1" destOrd="0" presId="urn:microsoft.com/office/officeart/2005/8/layout/hList1"/>
@@ -6464,243 +6464,6 @@
       <dsp:cNvGrpSpPr/>
     </dsp:nvGrpSpPr>
     <dsp:grpSpPr/>
-    <dsp:sp modelId="{6F656DE8-7424-0C49-AA40-460DC424C7A9}">
-      <dsp:nvSpPr>
-        <dsp:cNvPr id="0" name=""/>
-        <dsp:cNvSpPr/>
-      </dsp:nvSpPr>
-      <dsp:spPr>
-        <a:xfrm>
-          <a:off x="1440156" y="612659"/>
-          <a:ext cx="2288886" cy="1526687"/>
-        </a:xfrm>
-        <a:prstGeom prst="rect">
-          <a:avLst/>
-        </a:prstGeom>
-        <a:solidFill>
-          <a:schemeClr val="accent2"/>
-        </a:solidFill>
-        <a:ln w="10000" cap="flat" cmpd="sng" algn="ctr">
-          <a:solidFill>
-            <a:schemeClr val="accent2"/>
-          </a:solidFill>
-          <a:prstDash val="solid"/>
-        </a:ln>
-        <a:effectLst>
-          <a:outerShdw blurRad="38100" dist="30000" dir="5400000" rotWithShape="0">
-            <a:srgbClr val="000000">
-              <a:alpha val="45000"/>
-            </a:srgbClr>
-          </a:outerShdw>
-        </a:effectLst>
-        <a:scene3d>
-          <a:camera prst="orthographicFront"/>
-          <a:lightRig rig="chilly" dir="t"/>
-        </a:scene3d>
-        <a:sp3d z="-12700" extrusionH="1700"/>
-      </dsp:spPr>
-      <dsp:style>
-        <a:lnRef idx="1">
-          <a:schemeClr val="accent2"/>
-        </a:lnRef>
-        <a:fillRef idx="3">
-          <a:schemeClr val="accent2"/>
-        </a:fillRef>
-        <a:effectRef idx="2">
-          <a:schemeClr val="accent2"/>
-        </a:effectRef>
-        <a:fontRef idx="minor">
-          <a:schemeClr val="lt1"/>
-        </a:fontRef>
-      </dsp:style>
-      <dsp:txBody>
-        <a:bodyPr spcFirstLastPara="0" vert="horz" wrap="square" lIns="0" tIns="142240" rIns="142240" bIns="142240" numCol="1" spcCol="1270" anchor="ctr" anchorCtr="0">
-          <a:noAutofit/>
-        </a:bodyPr>
-        <a:lstStyle/>
-        <a:p>
-          <a:pPr lvl="0" algn="l" defTabSz="889000">
-            <a:lnSpc>
-              <a:spcPct val="90000"/>
-            </a:lnSpc>
-            <a:spcBef>
-              <a:spcPct val="0"/>
-            </a:spcBef>
-            <a:spcAft>
-              <a:spcPct val="35000"/>
-            </a:spcAft>
-          </a:pPr>
-          <a:r>
-            <a:rPr lang="en-US" sz="2000" b="0" i="0" kern="1200" dirty="0">
-              <a:latin typeface="HelveticaNeueLT Pro 43 LtEx"/>
-              <a:cs typeface="HelveticaNeueLT Pro 43 LtEx"/>
-            </a:rPr>
-            <a:t>Same biological sample – same conditions</a:t>
-          </a:r>
-        </a:p>
-      </dsp:txBody>
-      <dsp:txXfrm>
-        <a:off x="1806378" y="612659"/>
-        <a:ext cx="1922664" cy="1526687"/>
-      </dsp:txXfrm>
-    </dsp:sp>
-    <dsp:sp modelId="{48983B20-98DB-5040-9865-098C4069A99F}">
-      <dsp:nvSpPr>
-        <dsp:cNvPr id="0" name=""/>
-        <dsp:cNvSpPr/>
-      </dsp:nvSpPr>
-      <dsp:spPr>
-        <a:xfrm>
-          <a:off x="1455537" y="2139346"/>
-          <a:ext cx="2288886" cy="1526687"/>
-        </a:xfrm>
-        <a:prstGeom prst="rect">
-          <a:avLst/>
-        </a:prstGeom>
-        <a:solidFill>
-          <a:schemeClr val="accent2"/>
-        </a:solidFill>
-        <a:ln w="10000" cap="flat" cmpd="sng" algn="ctr">
-          <a:solidFill>
-            <a:schemeClr val="accent2"/>
-          </a:solidFill>
-          <a:prstDash val="solid"/>
-        </a:ln>
-        <a:effectLst>
-          <a:outerShdw blurRad="38100" dist="30000" dir="5400000" rotWithShape="0">
-            <a:srgbClr val="000000">
-              <a:alpha val="45000"/>
-            </a:srgbClr>
-          </a:outerShdw>
-        </a:effectLst>
-        <a:scene3d>
-          <a:camera prst="orthographicFront"/>
-          <a:lightRig rig="chilly" dir="t"/>
-        </a:scene3d>
-        <a:sp3d z="-12700" extrusionH="1700"/>
-      </dsp:spPr>
-      <dsp:style>
-        <a:lnRef idx="1">
-          <a:schemeClr val="accent2"/>
-        </a:lnRef>
-        <a:fillRef idx="3">
-          <a:schemeClr val="accent2"/>
-        </a:fillRef>
-        <a:effectRef idx="2">
-          <a:schemeClr val="accent2"/>
-        </a:effectRef>
-        <a:fontRef idx="minor">
-          <a:schemeClr val="lt1"/>
-        </a:fontRef>
-      </dsp:style>
-      <dsp:txBody>
-        <a:bodyPr spcFirstLastPara="0" vert="horz" wrap="square" lIns="0" tIns="142240" rIns="142240" bIns="142240" numCol="1" spcCol="1270" anchor="ctr" anchorCtr="0">
-          <a:noAutofit/>
-        </a:bodyPr>
-        <a:lstStyle/>
-        <a:p>
-          <a:pPr lvl="0" algn="l" defTabSz="889000">
-            <a:lnSpc>
-              <a:spcPct val="90000"/>
-            </a:lnSpc>
-            <a:spcBef>
-              <a:spcPct val="0"/>
-            </a:spcBef>
-            <a:spcAft>
-              <a:spcPct val="35000"/>
-            </a:spcAft>
-          </a:pPr>
-          <a:r>
-            <a:rPr lang="en-US" sz="2000" b="0" i="0" kern="1200" dirty="0">
-              <a:latin typeface="HelveticaNeueLT Pro 43 LtEx"/>
-              <a:cs typeface="HelveticaNeueLT Pro 43 LtEx"/>
-            </a:rPr>
-            <a:t>measure technical variation</a:t>
-          </a:r>
-        </a:p>
-      </dsp:txBody>
-      <dsp:txXfrm>
-        <a:off x="1821759" y="2139346"/>
-        <a:ext cx="1922664" cy="1526687"/>
-      </dsp:txXfrm>
-    </dsp:sp>
-    <dsp:sp modelId="{9CCD0C7D-22C5-1C45-A9FA-31D84808E3B3}">
-      <dsp:nvSpPr>
-        <dsp:cNvPr id="0" name=""/>
-        <dsp:cNvSpPr/>
-      </dsp:nvSpPr>
-      <dsp:spPr>
-        <a:xfrm>
-          <a:off x="216041" y="0"/>
-          <a:ext cx="1525924" cy="1525924"/>
-        </a:xfrm>
-        <a:prstGeom prst="ellipse">
-          <a:avLst/>
-        </a:prstGeom>
-        <a:solidFill>
-          <a:schemeClr val="accent1"/>
-        </a:solidFill>
-        <a:ln w="10000" cap="flat" cmpd="sng" algn="ctr">
-          <a:solidFill>
-            <a:schemeClr val="accent1"/>
-          </a:solidFill>
-          <a:prstDash val="solid"/>
-        </a:ln>
-        <a:effectLst>
-          <a:outerShdw blurRad="38100" dist="30000" dir="5400000" rotWithShape="0">
-            <a:srgbClr val="000000">
-              <a:alpha val="45000"/>
-            </a:srgbClr>
-          </a:outerShdw>
-        </a:effectLst>
-        <a:scene3d>
-          <a:camera prst="orthographicFront"/>
-          <a:lightRig rig="chilly" dir="t"/>
-        </a:scene3d>
-        <a:sp3d/>
-      </dsp:spPr>
-      <dsp:style>
-        <a:lnRef idx="1">
-          <a:schemeClr val="accent1"/>
-        </a:lnRef>
-        <a:fillRef idx="3">
-          <a:schemeClr val="accent1"/>
-        </a:fillRef>
-        <a:effectRef idx="2">
-          <a:schemeClr val="accent1"/>
-        </a:effectRef>
-        <a:fontRef idx="minor">
-          <a:schemeClr val="lt1"/>
-        </a:fontRef>
-      </dsp:style>
-      <dsp:txBody>
-        <a:bodyPr spcFirstLastPara="0" vert="horz" wrap="square" lIns="0" tIns="0" rIns="0" bIns="0" numCol="1" spcCol="1270" anchor="ctr" anchorCtr="0">
-          <a:noAutofit/>
-        </a:bodyPr>
-        <a:lstStyle/>
-        <a:p>
-          <a:pPr lvl="0" algn="ctr" defTabSz="1022350">
-            <a:lnSpc>
-              <a:spcPct val="90000"/>
-            </a:lnSpc>
-            <a:spcBef>
-              <a:spcPct val="0"/>
-            </a:spcBef>
-            <a:spcAft>
-              <a:spcPct val="35000"/>
-            </a:spcAft>
-          </a:pPr>
-          <a:r>
-            <a:rPr lang="en-US" sz="2300" kern="1200" dirty="0"/>
-            <a:t>Technical</a:t>
-          </a:r>
-        </a:p>
-      </dsp:txBody>
-      <dsp:txXfrm>
-        <a:off x="439507" y="223466"/>
-        <a:ext cx="1078992" cy="1078992"/>
-      </dsp:txXfrm>
-    </dsp:sp>
   </dsp:spTree>
 </dsp:drawing>
 </file>
@@ -6713,243 +6476,6 @@
       <dsp:cNvGrpSpPr/>
     </dsp:nvGrpSpPr>
     <dsp:grpSpPr/>
-    <dsp:sp modelId="{0F373C35-730B-3840-B8E2-9535C87D34AE}">
-      <dsp:nvSpPr>
-        <dsp:cNvPr id="0" name=""/>
-        <dsp:cNvSpPr/>
-      </dsp:nvSpPr>
-      <dsp:spPr>
-        <a:xfrm>
-          <a:off x="2549053" y="637325"/>
-          <a:ext cx="2383483" cy="1589783"/>
-        </a:xfrm>
-        <a:prstGeom prst="rect">
-          <a:avLst/>
-        </a:prstGeom>
-        <a:solidFill>
-          <a:schemeClr val="accent2"/>
-        </a:solidFill>
-        <a:ln w="10000" cap="flat" cmpd="sng" algn="ctr">
-          <a:solidFill>
-            <a:schemeClr val="accent2"/>
-          </a:solidFill>
-          <a:prstDash val="solid"/>
-        </a:ln>
-        <a:effectLst>
-          <a:outerShdw blurRad="38100" dist="30000" dir="5400000" rotWithShape="0">
-            <a:srgbClr val="000000">
-              <a:alpha val="45000"/>
-            </a:srgbClr>
-          </a:outerShdw>
-        </a:effectLst>
-        <a:scene3d>
-          <a:camera prst="orthographicFront"/>
-          <a:lightRig rig="chilly" dir="t"/>
-        </a:scene3d>
-        <a:sp3d z="-12700" extrusionH="1700"/>
-      </dsp:spPr>
-      <dsp:style>
-        <a:lnRef idx="1">
-          <a:schemeClr val="accent2"/>
-        </a:lnRef>
-        <a:fillRef idx="3">
-          <a:schemeClr val="accent2"/>
-        </a:fillRef>
-        <a:effectRef idx="2">
-          <a:schemeClr val="accent2"/>
-        </a:effectRef>
-        <a:fontRef idx="minor">
-          <a:schemeClr val="lt1"/>
-        </a:fontRef>
-      </dsp:style>
-      <dsp:txBody>
-        <a:bodyPr spcFirstLastPara="0" vert="horz" wrap="square" lIns="0" tIns="149352" rIns="149352" bIns="149352" numCol="1" spcCol="1270" anchor="ctr" anchorCtr="0">
-          <a:noAutofit/>
-        </a:bodyPr>
-        <a:lstStyle/>
-        <a:p>
-          <a:pPr lvl="0" algn="l" defTabSz="933450">
-            <a:lnSpc>
-              <a:spcPct val="90000"/>
-            </a:lnSpc>
-            <a:spcBef>
-              <a:spcPct val="0"/>
-            </a:spcBef>
-            <a:spcAft>
-              <a:spcPct val="35000"/>
-            </a:spcAft>
-          </a:pPr>
-          <a:r>
-            <a:rPr lang="en-US" sz="2100" b="0" i="0" kern="1200" dirty="0">
-              <a:latin typeface="HelveticaNeueLT Pro 43 LtEx"/>
-              <a:cs typeface="HelveticaNeueLT Pro 43 LtEx"/>
-            </a:rPr>
-            <a:t>Different biological sample – same conditions</a:t>
-          </a:r>
-        </a:p>
-      </dsp:txBody>
-      <dsp:txXfrm>
-        <a:off x="2930410" y="637325"/>
-        <a:ext cx="2002125" cy="1589783"/>
-      </dsp:txXfrm>
-    </dsp:sp>
-    <dsp:sp modelId="{75F9A5A3-0B4E-274B-A63B-E4B94765A154}">
-      <dsp:nvSpPr>
-        <dsp:cNvPr id="0" name=""/>
-        <dsp:cNvSpPr/>
-      </dsp:nvSpPr>
-      <dsp:spPr>
-        <a:xfrm>
-          <a:off x="2549053" y="2227108"/>
-          <a:ext cx="2383483" cy="1589783"/>
-        </a:xfrm>
-        <a:prstGeom prst="rect">
-          <a:avLst/>
-        </a:prstGeom>
-        <a:solidFill>
-          <a:schemeClr val="accent2"/>
-        </a:solidFill>
-        <a:ln w="10000" cap="flat" cmpd="sng" algn="ctr">
-          <a:solidFill>
-            <a:schemeClr val="accent2"/>
-          </a:solidFill>
-          <a:prstDash val="solid"/>
-        </a:ln>
-        <a:effectLst>
-          <a:outerShdw blurRad="38100" dist="30000" dir="5400000" rotWithShape="0">
-            <a:srgbClr val="000000">
-              <a:alpha val="45000"/>
-            </a:srgbClr>
-          </a:outerShdw>
-        </a:effectLst>
-        <a:scene3d>
-          <a:camera prst="orthographicFront"/>
-          <a:lightRig rig="chilly" dir="t"/>
-        </a:scene3d>
-        <a:sp3d z="-12700" extrusionH="1700"/>
-      </dsp:spPr>
-      <dsp:style>
-        <a:lnRef idx="1">
-          <a:schemeClr val="accent2"/>
-        </a:lnRef>
-        <a:fillRef idx="3">
-          <a:schemeClr val="accent2"/>
-        </a:fillRef>
-        <a:effectRef idx="2">
-          <a:schemeClr val="accent2"/>
-        </a:effectRef>
-        <a:fontRef idx="minor">
-          <a:schemeClr val="lt1"/>
-        </a:fontRef>
-      </dsp:style>
-      <dsp:txBody>
-        <a:bodyPr spcFirstLastPara="0" vert="horz" wrap="square" lIns="0" tIns="149352" rIns="149352" bIns="149352" numCol="1" spcCol="1270" anchor="ctr" anchorCtr="0">
-          <a:noAutofit/>
-        </a:bodyPr>
-        <a:lstStyle/>
-        <a:p>
-          <a:pPr lvl="0" algn="l" defTabSz="933450">
-            <a:lnSpc>
-              <a:spcPct val="90000"/>
-            </a:lnSpc>
-            <a:spcBef>
-              <a:spcPct val="0"/>
-            </a:spcBef>
-            <a:spcAft>
-              <a:spcPct val="35000"/>
-            </a:spcAft>
-          </a:pPr>
-          <a:r>
-            <a:rPr lang="en-US" sz="2100" b="0" i="0" kern="1200" dirty="0">
-              <a:latin typeface="HelveticaNeueLT Pro 43 LtEx"/>
-              <a:cs typeface="HelveticaNeueLT Pro 43 LtEx"/>
-            </a:rPr>
-            <a:t>measure biological variation</a:t>
-          </a:r>
-        </a:p>
-      </dsp:txBody>
-      <dsp:txXfrm>
-        <a:off x="2930410" y="2227108"/>
-        <a:ext cx="2002125" cy="1589783"/>
-      </dsp:txXfrm>
-    </dsp:sp>
-    <dsp:sp modelId="{E6626915-2554-BA40-97ED-FBC9BC43ACD9}">
-      <dsp:nvSpPr>
-        <dsp:cNvPr id="0" name=""/>
-        <dsp:cNvSpPr/>
-      </dsp:nvSpPr>
-      <dsp:spPr>
-        <a:xfrm>
-          <a:off x="1277862" y="1729"/>
-          <a:ext cx="1588988" cy="1588988"/>
-        </a:xfrm>
-        <a:prstGeom prst="ellipse">
-          <a:avLst/>
-        </a:prstGeom>
-        <a:solidFill>
-          <a:schemeClr val="accent1"/>
-        </a:solidFill>
-        <a:ln w="10000" cap="flat" cmpd="sng" algn="ctr">
-          <a:solidFill>
-            <a:schemeClr val="accent1"/>
-          </a:solidFill>
-          <a:prstDash val="solid"/>
-        </a:ln>
-        <a:effectLst>
-          <a:outerShdw blurRad="38100" dist="30000" dir="5400000" rotWithShape="0">
-            <a:srgbClr val="000000">
-              <a:alpha val="45000"/>
-            </a:srgbClr>
-          </a:outerShdw>
-        </a:effectLst>
-        <a:scene3d>
-          <a:camera prst="orthographicFront"/>
-          <a:lightRig rig="chilly" dir="t"/>
-        </a:scene3d>
-        <a:sp3d/>
-      </dsp:spPr>
-      <dsp:style>
-        <a:lnRef idx="1">
-          <a:schemeClr val="accent1"/>
-        </a:lnRef>
-        <a:fillRef idx="3">
-          <a:schemeClr val="accent1"/>
-        </a:fillRef>
-        <a:effectRef idx="2">
-          <a:schemeClr val="accent1"/>
-        </a:effectRef>
-        <a:fontRef idx="minor">
-          <a:schemeClr val="lt1"/>
-        </a:fontRef>
-      </dsp:style>
-      <dsp:txBody>
-        <a:bodyPr spcFirstLastPara="0" vert="horz" wrap="square" lIns="0" tIns="0" rIns="0" bIns="0" numCol="1" spcCol="1270" anchor="ctr" anchorCtr="0">
-          <a:noAutofit/>
-        </a:bodyPr>
-        <a:lstStyle/>
-        <a:p>
-          <a:pPr lvl="0" algn="ctr" defTabSz="1022350">
-            <a:lnSpc>
-              <a:spcPct val="90000"/>
-            </a:lnSpc>
-            <a:spcBef>
-              <a:spcPct val="0"/>
-            </a:spcBef>
-            <a:spcAft>
-              <a:spcPct val="35000"/>
-            </a:spcAft>
-          </a:pPr>
-          <a:r>
-            <a:rPr lang="en-US" sz="2300" kern="1200" dirty="0"/>
-            <a:t>Biological</a:t>
-          </a:r>
-        </a:p>
-      </dsp:txBody>
-      <dsp:txXfrm>
-        <a:off x="1510564" y="234431"/>
-        <a:ext cx="1123584" cy="1123584"/>
-      </dsp:txXfrm>
-    </dsp:sp>
   </dsp:spTree>
 </dsp:drawing>
 </file>
@@ -12916,7 +12442,7 @@
           <a:p>
             <a:fld id="{79D8EFD4-EDB3-0741-8B14-1A5DA86E9F2A}" type="datetimeFigureOut">
               <a:rPr lang="en-US" smtClean="0"/>
-              <a:t>26/03/19</a:t>
+              <a:t>27/03/19</a:t>
             </a:fld>
             <a:endParaRPr lang="en-US"/>
           </a:p>
@@ -20205,33 +19731,40 @@
             <p:ph type="ctrTitle"/>
           </p:nvPr>
         </p:nvSpPr>
-        <p:spPr/>
+        <p:spPr>
+          <a:xfrm>
+            <a:off x="1403648" y="1700808"/>
+            <a:ext cx="6477000" cy="1828800"/>
+          </a:xfrm>
+        </p:spPr>
         <p:txBody>
           <a:bodyPr>
-            <a:normAutofit fontScale="90000"/>
+            <a:normAutofit/>
           </a:bodyPr>
           <a:lstStyle/>
           <a:p>
             <a:r>
-              <a:rPr lang="en-US" dirty="0"/>
-              <a:t>RNA-</a:t>
-            </a:r>
-            <a:r>
-              <a:rPr lang="en-US" dirty="0" err="1"/>
-              <a:t>seq</a:t>
-            </a:r>
-            <a:r>
-              <a:rPr lang="en-US" dirty="0"/>
-              <a:t> data analysis:  </a:t>
-            </a:r>
-            <a:r>
-              <a:rPr lang="en-US" dirty="0" err="1"/>
-              <a:t>transcriptome</a:t>
-            </a:r>
-            <a:r>
-              <a:rPr lang="en-US" dirty="0"/>
-              <a:t>  assembly and differential expression analysis</a:t>
-            </a:r>
+              <a:rPr lang="en-US" cap="none" dirty="0" smtClean="0">
+                <a:latin typeface="Helvetica"/>
+                <a:cs typeface="Helvetica"/>
+              </a:rPr>
+              <a:t>Introduction to </a:t>
+            </a:r>
+            <a:r>
+              <a:rPr lang="en-US" cap="none" dirty="0" err="1" smtClean="0">
+                <a:latin typeface="Helvetica"/>
+                <a:cs typeface="Helvetica"/>
+              </a:rPr>
+              <a:t>RNAseq</a:t>
+            </a:r>
+            <a:r>
+              <a:rPr lang="en-US" cap="none" dirty="0" smtClean="0">
+                <a:latin typeface="Helvetica"/>
+                <a:cs typeface="Helvetica"/>
+              </a:rPr>
+              <a:t> Data Analysis Methods</a:t>
+            </a:r>
+            <a:endParaRPr lang="en-US" dirty="0"/>
           </a:p>
         </p:txBody>
       </p:sp>
